--- a/Documents/Project_Presentation.pptx
+++ b/Documents/Project_Presentation.pptx
@@ -1793,8 +1793,8 @@
         </p:nvSpPr>
         <p:spPr>
           <a:xfrm>
-            <a:off x="5646420" y="4720590"/>
-            <a:ext cx="8607425" cy="460375"/>
+            <a:off x="6811645" y="4720590"/>
+            <a:ext cx="6277610" cy="460375"/>
           </a:xfrm>
           <a:prstGeom prst="rect">
             <a:avLst/>
@@ -1853,23 +1853,7 @@
                   <a:srgbClr val="FFFCF5"/>
                 </a:solidFill>
               </a:rPr>
-              <a:t> Иван, </a:t>
-            </a:r>
-            <a:r>
-              <a:rPr lang="ru-RU" sz="2400" dirty="0" err="1">
-                <a:solidFill>
-                  <a:srgbClr val="FFFCF5"/>
-                </a:solidFill>
-              </a:rPr>
-              <a:t>Гогус</a:t>
-            </a:r>
-            <a:r>
-              <a:rPr lang="ru-RU" sz="2400" dirty="0">
-                <a:solidFill>
-                  <a:srgbClr val="FFFCF5"/>
-                </a:solidFill>
-              </a:rPr>
-              <a:t> Александр</a:t>
+              <a:t> Иван</a:t>
             </a:r>
             <a:endParaRPr lang="ru-RU" sz="2400" dirty="0">
               <a:solidFill>
